--- a/Salaah/Reports/Report.pptx
+++ b/Salaah/Reports/Report.pptx
@@ -8,10 +8,9 @@
     <p:sldId id="256" r:id="rId2"/>
     <p:sldId id="259" r:id="rId3"/>
     <p:sldId id="257" r:id="rId4"/>
-    <p:sldId id="260" r:id="rId5"/>
-    <p:sldId id="258" r:id="rId6"/>
-    <p:sldId id="261" r:id="rId7"/>
-    <p:sldId id="262" r:id="rId8"/>
+    <p:sldId id="258" r:id="rId5"/>
+    <p:sldId id="261" r:id="rId6"/>
+    <p:sldId id="262" r:id="rId7"/>
   </p:sldIdLst>
   <p:sldSz cx="12192000" cy="6858000"/>
   <p:notesSz cx="6858000" cy="9144000"/>
@@ -3609,7 +3608,7 @@
                 <a:ea typeface="+mj-ea"/>
                 <a:cs typeface="+mj-cs"/>
               </a:rPr>
-              <a:t>The Issue (JCC)</a:t>
+              <a:t>The Issue</a:t>
             </a:r>
           </a:p>
         </p:txBody>
@@ -3636,8 +3635,8 @@
         </p:blipFill>
         <p:spPr>
           <a:xfrm>
-            <a:off x="643467" y="949789"/>
-            <a:ext cx="10905066" cy="3844035"/>
+            <a:off x="25497" y="620688"/>
+            <a:ext cx="12140175" cy="4279411"/>
           </a:xfrm>
           <a:prstGeom prst="rect">
             <a:avLst/>
@@ -3674,115 +3673,6 @@
           <a:chExt cx="0" cy="0"/>
         </a:xfrm>
       </p:grpSpPr>
-      <p:pic>
-        <p:nvPicPr>
-          <p:cNvPr id="4" name="Picture 3" descr="Screens screenshot of a phone&#10;&#10;Description automatically generated">
-            <a:extLst>
-              <a:ext uri="{FF2B5EF4-FFF2-40B4-BE49-F238E27FC236}">
-                <a16:creationId xmlns:a16="http://schemas.microsoft.com/office/drawing/2014/main" id="{5DEECB18-669F-6AC2-C7E6-3E722CA0A1C9}"/>
-              </a:ext>
-            </a:extLst>
-          </p:cNvPr>
-          <p:cNvPicPr>
-            <a:picLocks noChangeAspect="1"/>
-          </p:cNvPicPr>
-          <p:nvPr/>
-        </p:nvPicPr>
-        <p:blipFill>
-          <a:blip r:embed="rId2">
-            <a:extLst>
-              <a:ext uri="{28A0092B-C50C-407E-A947-70E740481C1C}">
-                <a14:useLocalDpi xmlns:a14="http://schemas.microsoft.com/office/drawing/2010/main" val="0"/>
-              </a:ext>
-            </a:extLst>
-          </a:blip>
-          <a:stretch>
-            <a:fillRect/>
-          </a:stretch>
-        </p:blipFill>
-        <p:spPr>
-          <a:xfrm>
-            <a:off x="6960096" y="207395"/>
-            <a:ext cx="2818904" cy="6443210"/>
-          </a:xfrm>
-          <a:prstGeom prst="rect">
-            <a:avLst/>
-          </a:prstGeom>
-        </p:spPr>
-      </p:pic>
-      <p:sp>
-        <p:nvSpPr>
-          <p:cNvPr id="8" name="Title 1">
-            <a:extLst>
-              <a:ext uri="{FF2B5EF4-FFF2-40B4-BE49-F238E27FC236}">
-                <a16:creationId xmlns:a16="http://schemas.microsoft.com/office/drawing/2014/main" id="{45571D32-3764-35F4-956D-2B93A988EDC6}"/>
-              </a:ext>
-            </a:extLst>
-          </p:cNvPr>
-          <p:cNvSpPr>
-            <a:spLocks noGrp="1"/>
-          </p:cNvSpPr>
-          <p:nvPr>
-            <p:ph type="title"/>
-          </p:nvPr>
-        </p:nvSpPr>
-        <p:spPr>
-          <a:xfrm>
-            <a:off x="-2544960" y="2766218"/>
-            <a:ext cx="10515600" cy="1325563"/>
-          </a:xfrm>
-        </p:spPr>
-        <p:txBody>
-          <a:bodyPr vert="horz" lIns="91440" tIns="45720" rIns="91440" bIns="45720" rtlCol="0" anchor="ctr">
-            <a:normAutofit/>
-          </a:bodyPr>
-          <a:lstStyle/>
-          <a:p>
-            <a:pPr algn="ctr"/>
-            <a:r>
-              <a:rPr lang="en-US" sz="5200" kern="1200" dirty="0">
-                <a:solidFill>
-                  <a:schemeClr val="tx1"/>
-                </a:solidFill>
-                <a:latin typeface="+mj-lt"/>
-                <a:ea typeface="+mj-ea"/>
-                <a:cs typeface="+mj-cs"/>
-              </a:rPr>
-              <a:t>The Issue (IHS)</a:t>
-            </a:r>
-          </a:p>
-        </p:txBody>
-      </p:sp>
-    </p:spTree>
-    <p:extLst>
-      <p:ext uri="{BB962C8B-B14F-4D97-AF65-F5344CB8AC3E}">
-        <p14:creationId xmlns:p14="http://schemas.microsoft.com/office/powerpoint/2010/main" val="3660521706"/>
-      </p:ext>
-    </p:extLst>
-  </p:cSld>
-  <p:clrMapOvr>
-    <a:masterClrMapping/>
-  </p:clrMapOvr>
-</p:sld>
-</file>
-
-<file path=ppt/slides/slide5.xml><?xml version="1.0" encoding="utf-8"?>
-<p:sld xmlns:a="http://schemas.openxmlformats.org/drawingml/2006/main" xmlns:r="http://schemas.openxmlformats.org/officeDocument/2006/relationships" xmlns:p="http://schemas.openxmlformats.org/presentationml/2006/main">
-  <p:cSld>
-    <p:spTree>
-      <p:nvGrpSpPr>
-        <p:cNvPr id="1" name=""/>
-        <p:cNvGrpSpPr/>
-        <p:nvPr/>
-      </p:nvGrpSpPr>
-      <p:grpSpPr>
-        <a:xfrm>
-          <a:off x="0" y="0"/>
-          <a:ext cx="0" cy="0"/>
-          <a:chOff x="0" y="0"/>
-          <a:chExt cx="0" cy="0"/>
-        </a:xfrm>
-      </p:grpSpPr>
       <p:sp>
         <p:nvSpPr>
           <p:cNvPr id="2" name="Title 1">
@@ -3914,7 +3804,7 @@
 </p:sld>
 </file>
 
-<file path=ppt/slides/slide6.xml><?xml version="1.0" encoding="utf-8"?>
+<file path=ppt/slides/slide5.xml><?xml version="1.0" encoding="utf-8"?>
 <p:sld xmlns:a="http://schemas.openxmlformats.org/drawingml/2006/main" xmlns:r="http://schemas.openxmlformats.org/officeDocument/2006/relationships" xmlns:p="http://schemas.openxmlformats.org/presentationml/2006/main">
   <p:cSld>
     <p:spTree>
@@ -4015,7 +3905,7 @@
 </p:sld>
 </file>
 
-<file path=ppt/slides/slide7.xml><?xml version="1.0" encoding="utf-8"?>
+<file path=ppt/slides/slide6.xml><?xml version="1.0" encoding="utf-8"?>
 <p:sld xmlns:a="http://schemas.openxmlformats.org/drawingml/2006/main" xmlns:r="http://schemas.openxmlformats.org/officeDocument/2006/relationships" xmlns:p="http://schemas.openxmlformats.org/presentationml/2006/main">
   <p:cSld>
     <p:spTree>
